--- a/ATPII/HAWC-presentation/KIT-PowerPointVorlageEN.pptx
+++ b/ATPII/HAWC-presentation/KIT-PowerPointVorlageEN.pptx
@@ -5,15 +5,16 @@
     <p:sldMasterId id="2147483673" r:id="rId1"/>
   </p:sldMasterIdLst>
   <p:notesMasterIdLst>
-    <p:notesMasterId r:id="rId8"/>
+    <p:notesMasterId r:id="rId9"/>
   </p:notesMasterIdLst>
   <p:sldIdLst>
     <p:sldId id="260" r:id="rId2"/>
     <p:sldId id="262" r:id="rId3"/>
-    <p:sldId id="263" r:id="rId4"/>
-    <p:sldId id="264" r:id="rId5"/>
-    <p:sldId id="265" r:id="rId6"/>
-    <p:sldId id="266" r:id="rId7"/>
+    <p:sldId id="267" r:id="rId4"/>
+    <p:sldId id="263" r:id="rId5"/>
+    <p:sldId id="264" r:id="rId6"/>
+    <p:sldId id="265" r:id="rId7"/>
+    <p:sldId id="266" r:id="rId8"/>
   </p:sldIdLst>
   <p:sldSz cx="9144000" cy="5145088"/>
   <p:notesSz cx="6858000" cy="9144000"/>
@@ -5144,393 +5145,58 @@
           <a:lstStyle/>
           <a:p>
             <a:r>
-              <a:rPr lang="de-DE" dirty="0" err="1"/>
-              <a:t>Lorem</a:t>
-            </a:r>
-            <a:r>
-              <a:rPr lang="de-DE" dirty="0"/>
-              <a:t> </a:t>
-            </a:r>
-            <a:r>
-              <a:rPr lang="de-DE" dirty="0" err="1"/>
-              <a:t>ipsum</a:t>
-            </a:r>
-            <a:r>
-              <a:rPr lang="de-DE" dirty="0"/>
-              <a:t> </a:t>
-            </a:r>
-            <a:r>
-              <a:rPr lang="de-DE" dirty="0" err="1"/>
-              <a:t>dolor</a:t>
-            </a:r>
-            <a:r>
-              <a:rPr lang="de-DE" dirty="0"/>
-              <a:t> </a:t>
-            </a:r>
-            <a:r>
-              <a:rPr lang="de-DE" dirty="0" err="1"/>
-              <a:t>sit</a:t>
-            </a:r>
-            <a:r>
-              <a:rPr lang="de-DE" dirty="0"/>
-              <a:t> </a:t>
-            </a:r>
-            <a:r>
-              <a:rPr lang="de-DE" dirty="0" err="1"/>
-              <a:t>amet</a:t>
-            </a:r>
-            <a:r>
-              <a:rPr lang="de-DE" dirty="0"/>
-              <a:t>, </a:t>
-            </a:r>
-            <a:r>
-              <a:rPr lang="de-DE" dirty="0" err="1"/>
-              <a:t>consetetur</a:t>
-            </a:r>
-            <a:r>
-              <a:rPr lang="de-DE" dirty="0"/>
-              <a:t> </a:t>
-            </a:r>
-            <a:r>
-              <a:rPr lang="de-DE" dirty="0" err="1"/>
-              <a:t>sadipscing</a:t>
-            </a:r>
-            <a:r>
-              <a:rPr lang="de-DE" dirty="0"/>
-              <a:t> </a:t>
-            </a:r>
-            <a:r>
-              <a:rPr lang="de-DE" dirty="0" err="1"/>
-              <a:t>elitr</a:t>
-            </a:r>
-            <a:r>
-              <a:rPr lang="de-DE" dirty="0"/>
-              <a:t>, </a:t>
-            </a:r>
-            <a:r>
-              <a:rPr lang="de-DE" dirty="0" err="1"/>
-              <a:t>sed</a:t>
-            </a:r>
-            <a:r>
-              <a:rPr lang="de-DE" dirty="0"/>
-              <a:t> </a:t>
-            </a:r>
-            <a:r>
-              <a:rPr lang="de-DE" dirty="0" err="1"/>
-              <a:t>diam</a:t>
-            </a:r>
-            <a:r>
-              <a:rPr lang="de-DE" dirty="0"/>
-              <a:t> </a:t>
-            </a:r>
-            <a:r>
-              <a:rPr lang="de-DE" dirty="0" err="1"/>
-              <a:t>nonumy</a:t>
-            </a:r>
-            <a:r>
-              <a:rPr lang="de-DE" dirty="0"/>
-              <a:t> </a:t>
-            </a:r>
-            <a:r>
-              <a:rPr lang="de-DE" dirty="0" err="1"/>
-              <a:t>eirmod</a:t>
-            </a:r>
-            <a:endParaRPr lang="de-DE" dirty="0"/>
+              <a:rPr lang="de-DE" b="1"/>
+              <a:t>About the experiment</a:t>
+            </a:r>
+            <a:endParaRPr lang="de-DE" b="1" dirty="0"/>
           </a:p>
           <a:p>
             <a:pPr lvl="1"/>
             <a:r>
-              <a:rPr lang="de-DE" dirty="0"/>
-              <a:t>At </a:t>
-            </a:r>
-            <a:r>
-              <a:rPr lang="de-DE" dirty="0" err="1"/>
-              <a:t>vero</a:t>
-            </a:r>
-            <a:r>
-              <a:rPr lang="de-DE" dirty="0"/>
-              <a:t> </a:t>
-            </a:r>
-            <a:r>
-              <a:rPr lang="de-DE" dirty="0" err="1"/>
-              <a:t>eos</a:t>
-            </a:r>
-            <a:r>
-              <a:rPr lang="de-DE" dirty="0"/>
-              <a:t> et </a:t>
-            </a:r>
-            <a:r>
-              <a:rPr lang="de-DE" dirty="0" err="1"/>
-              <a:t>accusam</a:t>
-            </a:r>
-            <a:r>
-              <a:rPr lang="de-DE" dirty="0"/>
-              <a:t> et </a:t>
-            </a:r>
-            <a:r>
-              <a:rPr lang="de-DE" dirty="0" err="1"/>
-              <a:t>justo</a:t>
-            </a:r>
-            <a:r>
-              <a:rPr lang="de-DE" dirty="0"/>
-              <a:t> </a:t>
-            </a:r>
-            <a:r>
-              <a:rPr lang="de-DE" dirty="0" err="1"/>
-              <a:t>duo</a:t>
-            </a:r>
-            <a:r>
-              <a:rPr lang="de-DE" dirty="0"/>
-              <a:t> </a:t>
-            </a:r>
-            <a:r>
-              <a:rPr lang="de-DE" dirty="0" err="1"/>
-              <a:t>dolores</a:t>
-            </a:r>
-            <a:r>
-              <a:rPr lang="de-DE" dirty="0"/>
-              <a:t> et </a:t>
-            </a:r>
-            <a:r>
-              <a:rPr lang="de-DE" dirty="0" err="1"/>
-              <a:t>ea</a:t>
-            </a:r>
-            <a:r>
-              <a:rPr lang="de-DE" dirty="0"/>
-              <a:t> </a:t>
-            </a:r>
-            <a:r>
-              <a:rPr lang="de-DE" dirty="0" err="1"/>
-              <a:t>rebum</a:t>
-            </a:r>
-            <a:r>
-              <a:rPr lang="de-DE" dirty="0"/>
-              <a:t>. Stet </a:t>
-            </a:r>
-            <a:r>
-              <a:rPr lang="de-DE" dirty="0" err="1"/>
-              <a:t>clita</a:t>
-            </a:r>
-            <a:r>
-              <a:rPr lang="de-DE" dirty="0"/>
-              <a:t> </a:t>
-            </a:r>
-            <a:r>
-              <a:rPr lang="de-DE" dirty="0" err="1"/>
-              <a:t>kasd</a:t>
-            </a:r>
-            <a:r>
-              <a:rPr lang="de-DE" dirty="0"/>
-              <a:t> </a:t>
-            </a:r>
-            <a:r>
-              <a:rPr lang="de-DE" dirty="0" err="1"/>
-              <a:t>gubergren</a:t>
-            </a:r>
-            <a:r>
-              <a:rPr lang="de-DE" dirty="0"/>
-              <a:t> 	</a:t>
-            </a:r>
-          </a:p>
-          <a:p>
-            <a:pPr lvl="2"/>
-            <a:r>
-              <a:rPr lang="de-DE" dirty="0" err="1"/>
-              <a:t>No</a:t>
-            </a:r>
-            <a:r>
-              <a:rPr lang="de-DE" dirty="0"/>
-              <a:t> </a:t>
-            </a:r>
-            <a:r>
-              <a:rPr lang="de-DE" dirty="0" err="1"/>
-              <a:t>sea</a:t>
-            </a:r>
-            <a:r>
-              <a:rPr lang="de-DE" dirty="0"/>
-              <a:t> </a:t>
-            </a:r>
-            <a:r>
-              <a:rPr lang="de-DE" dirty="0" err="1"/>
-              <a:t>takimata</a:t>
-            </a:r>
-            <a:r>
-              <a:rPr lang="de-DE" dirty="0"/>
-              <a:t> sanctus </a:t>
-            </a:r>
-            <a:r>
-              <a:rPr lang="de-DE" dirty="0" err="1"/>
-              <a:t>est</a:t>
-            </a:r>
-            <a:r>
-              <a:rPr lang="de-DE" dirty="0"/>
-              <a:t> </a:t>
-            </a:r>
-            <a:r>
-              <a:rPr lang="de-DE" dirty="0" err="1"/>
-              <a:t>Lorem</a:t>
-            </a:r>
-            <a:r>
-              <a:rPr lang="de-DE" dirty="0"/>
-              <a:t> </a:t>
-            </a:r>
-            <a:r>
-              <a:rPr lang="de-DE" dirty="0" err="1"/>
-              <a:t>ipsum</a:t>
-            </a:r>
-            <a:r>
-              <a:rPr lang="de-DE" dirty="0"/>
-              <a:t> </a:t>
-            </a:r>
-            <a:r>
-              <a:rPr lang="de-DE" dirty="0" err="1"/>
-              <a:t>dolor</a:t>
-            </a:r>
-            <a:r>
-              <a:rPr lang="de-DE" dirty="0"/>
-              <a:t> </a:t>
-            </a:r>
-            <a:r>
-              <a:rPr lang="de-DE" dirty="0" err="1"/>
-              <a:t>sit</a:t>
-            </a:r>
-            <a:r>
-              <a:rPr lang="de-DE" dirty="0"/>
-              <a:t> </a:t>
-            </a:r>
-            <a:r>
-              <a:rPr lang="de-DE" dirty="0" err="1"/>
-              <a:t>amet</a:t>
-            </a:r>
-            <a:r>
-              <a:rPr lang="de-DE" dirty="0"/>
-              <a:t>. </a:t>
-            </a:r>
-          </a:p>
-          <a:p>
-            <a:r>
-              <a:rPr lang="de-DE" dirty="0" err="1"/>
-              <a:t>Lorem</a:t>
-            </a:r>
-            <a:r>
-              <a:rPr lang="de-DE" dirty="0"/>
-              <a:t> </a:t>
-            </a:r>
-            <a:r>
-              <a:rPr lang="de-DE" dirty="0" err="1"/>
-              <a:t>ipsum</a:t>
-            </a:r>
-            <a:r>
-              <a:rPr lang="de-DE" dirty="0"/>
-              <a:t> </a:t>
-            </a:r>
-            <a:r>
-              <a:rPr lang="de-DE" dirty="0" err="1"/>
-              <a:t>dolor</a:t>
-            </a:r>
-            <a:r>
-              <a:rPr lang="de-DE" dirty="0"/>
-              <a:t> </a:t>
-            </a:r>
-            <a:r>
-              <a:rPr lang="de-DE" dirty="0" err="1"/>
-              <a:t>sit</a:t>
-            </a:r>
-            <a:r>
-              <a:rPr lang="de-DE" dirty="0"/>
-              <a:t> </a:t>
-            </a:r>
-            <a:r>
-              <a:rPr lang="de-DE" dirty="0" err="1"/>
-              <a:t>amet</a:t>
-            </a:r>
-            <a:r>
-              <a:rPr lang="de-DE" dirty="0"/>
-              <a:t>, </a:t>
-            </a:r>
-            <a:r>
-              <a:rPr lang="de-DE" dirty="0" err="1"/>
-              <a:t>consetetur</a:t>
-            </a:r>
-            <a:r>
-              <a:rPr lang="de-DE" dirty="0"/>
-              <a:t> </a:t>
-            </a:r>
-            <a:r>
-              <a:rPr lang="de-DE" dirty="0" err="1"/>
-              <a:t>sadipscing</a:t>
-            </a:r>
-            <a:r>
-              <a:rPr lang="de-DE" dirty="0"/>
-              <a:t> </a:t>
-            </a:r>
-            <a:r>
-              <a:rPr lang="de-DE" dirty="0" err="1"/>
-              <a:t>elitr</a:t>
-            </a:r>
-            <a:r>
-              <a:rPr lang="de-DE" dirty="0"/>
-              <a:t>, </a:t>
-            </a:r>
-            <a:r>
-              <a:rPr lang="de-DE" dirty="0" err="1"/>
-              <a:t>sed</a:t>
-            </a:r>
-            <a:r>
-              <a:rPr lang="de-DE" dirty="0"/>
-              <a:t> </a:t>
-            </a:r>
-            <a:r>
-              <a:rPr lang="de-DE" dirty="0" err="1"/>
-              <a:t>diam</a:t>
-            </a:r>
-            <a:r>
-              <a:rPr lang="de-DE" dirty="0"/>
-              <a:t> </a:t>
-            </a:r>
-            <a:r>
-              <a:rPr lang="de-DE" dirty="0" err="1"/>
-              <a:t>nonumy</a:t>
-            </a:r>
-            <a:r>
-              <a:rPr lang="de-DE" dirty="0"/>
-              <a:t> </a:t>
-            </a:r>
-            <a:r>
-              <a:rPr lang="de-DE" dirty="0" err="1"/>
-              <a:t>eirmod</a:t>
-            </a:r>
-            <a:r>
-              <a:rPr lang="de-DE" dirty="0"/>
-              <a:t> </a:t>
-            </a:r>
-            <a:r>
-              <a:rPr lang="de-DE" dirty="0" err="1"/>
-              <a:t>tempor</a:t>
-            </a:r>
-            <a:r>
-              <a:rPr lang="de-DE" dirty="0"/>
-              <a:t> </a:t>
-            </a:r>
-            <a:r>
-              <a:rPr lang="de-DE" dirty="0" err="1"/>
-              <a:t>invidunt</a:t>
-            </a:r>
-            <a:r>
-              <a:rPr lang="de-DE" dirty="0"/>
-              <a:t> </a:t>
-            </a:r>
-          </a:p>
-          <a:p>
-            <a:r>
-              <a:rPr lang="de-DE" dirty="0"/>
-              <a:t>…</a:t>
-            </a:r>
-          </a:p>
-          <a:p>
-            <a:r>
-              <a:rPr lang="de-DE" dirty="0"/>
-              <a:t>…</a:t>
+              <a:rPr lang="de-DE"/>
+              <a:t>People &amp; Collaboration</a:t>
+            </a:r>
+          </a:p>
+          <a:p>
+            <a:pPr lvl="1"/>
+            <a:r>
+              <a:rPr lang="de-DE"/>
+              <a:t>History &amp; Location</a:t>
+            </a:r>
+          </a:p>
+          <a:p>
+            <a:pPr lvl="1"/>
+            <a:r>
+              <a:rPr lang="de-DE"/>
+              <a:t>Scientific goals</a:t>
+            </a:r>
+          </a:p>
+          <a:p>
+            <a:pPr marL="266771" lvl="1" indent="0">
+              <a:buNone/>
+            </a:pPr>
+            <a:endParaRPr lang="de-DE" sz="900" dirty="0"/>
+          </a:p>
+          <a:p>
+            <a:r>
+              <a:rPr lang="de-DE" b="1"/>
+              <a:t>Experimental setup</a:t>
+            </a:r>
+          </a:p>
+          <a:p>
+            <a:pPr marL="0" indent="0">
+              <a:buNone/>
+            </a:pPr>
+            <a:endParaRPr lang="de-DE" sz="900" b="1" dirty="0"/>
+          </a:p>
+          <a:p>
+            <a:r>
+              <a:rPr lang="de-DE" b="1"/>
+              <a:t>Result</a:t>
+            </a:r>
+            <a:r>
+              <a:rPr lang="de-DE" b="1" dirty="0"/>
+              <a:t>s</a:t>
             </a:r>
           </a:p>
           <a:p>
@@ -5603,20 +5269,8 @@
           <a:lstStyle/>
           <a:p>
             <a:r>
-              <a:rPr lang="de-DE" dirty="0"/>
-              <a:t>Sample </a:t>
-            </a:r>
-            <a:r>
-              <a:rPr lang="de-DE" dirty="0" err="1"/>
-              <a:t>headline</a:t>
-            </a:r>
-            <a:r>
-              <a:rPr lang="de-DE" dirty="0"/>
-              <a:t>: Arial 24pt </a:t>
-            </a:r>
-            <a:r>
-              <a:rPr lang="de-DE" dirty="0" err="1"/>
-              <a:t>bold</a:t>
+              <a:rPr lang="de-DE"/>
+              <a:t>Outline</a:t>
             </a:r>
             <a:endParaRPr lang="de-DE" dirty="0"/>
           </a:p>
@@ -5654,12 +5308,12 @@
       </p:grpSpPr>
       <p:sp>
         <p:nvSpPr>
-          <p:cNvPr id="7" name="Textplatzhalter 6"/>
-          <p:cNvSpPr>
-            <a:spLocks noGrp="1"/>
-          </p:cNvSpPr>
-          <p:nvPr>
-            <p:ph type="body" idx="1"/>
+          <p:cNvPr id="7" name="Inhaltsplatzhalter 6"/>
+          <p:cNvSpPr>
+            <a:spLocks noGrp="1"/>
+          </p:cNvSpPr>
+          <p:nvPr>
+            <p:ph idx="1"/>
           </p:nvPr>
         </p:nvSpPr>
         <p:spPr/>
@@ -5669,28 +5323,410 @@
           <a:p>
             <a:r>
               <a:rPr lang="de-DE" dirty="0" err="1"/>
-              <a:t>Subline</a:t>
-            </a:r>
-            <a:r>
-              <a:rPr lang="de-DE" dirty="0"/>
-              <a:t>: Arial 20pt </a:t>
-            </a:r>
-            <a:r>
-              <a:rPr lang="de-DE" dirty="0" err="1"/>
-              <a:t>bold</a:t>
+              <a:t>Lorem</a:t>
+            </a:r>
+            <a:r>
+              <a:rPr lang="de-DE" dirty="0"/>
+              <a:t> </a:t>
+            </a:r>
+            <a:r>
+              <a:rPr lang="de-DE" dirty="0" err="1"/>
+              <a:t>ipsum</a:t>
+            </a:r>
+            <a:r>
+              <a:rPr lang="de-DE" dirty="0"/>
+              <a:t> </a:t>
+            </a:r>
+            <a:r>
+              <a:rPr lang="de-DE" dirty="0" err="1"/>
+              <a:t>dolor</a:t>
+            </a:r>
+            <a:r>
+              <a:rPr lang="de-DE" dirty="0"/>
+              <a:t> </a:t>
+            </a:r>
+            <a:r>
+              <a:rPr lang="de-DE" dirty="0" err="1"/>
+              <a:t>sit</a:t>
+            </a:r>
+            <a:r>
+              <a:rPr lang="de-DE" dirty="0"/>
+              <a:t> </a:t>
+            </a:r>
+            <a:r>
+              <a:rPr lang="de-DE" dirty="0" err="1"/>
+              <a:t>amet</a:t>
+            </a:r>
+            <a:r>
+              <a:rPr lang="de-DE" dirty="0"/>
+              <a:t>, </a:t>
+            </a:r>
+            <a:r>
+              <a:rPr lang="de-DE" dirty="0" err="1"/>
+              <a:t>consetetur</a:t>
+            </a:r>
+            <a:r>
+              <a:rPr lang="de-DE" dirty="0"/>
+              <a:t> </a:t>
+            </a:r>
+            <a:r>
+              <a:rPr lang="de-DE" dirty="0" err="1"/>
+              <a:t>sadipscing</a:t>
+            </a:r>
+            <a:r>
+              <a:rPr lang="de-DE" dirty="0"/>
+              <a:t> </a:t>
+            </a:r>
+            <a:r>
+              <a:rPr lang="de-DE" dirty="0" err="1"/>
+              <a:t>elitr</a:t>
+            </a:r>
+            <a:r>
+              <a:rPr lang="de-DE" dirty="0"/>
+              <a:t>, </a:t>
+            </a:r>
+            <a:r>
+              <a:rPr lang="de-DE" dirty="0" err="1"/>
+              <a:t>sed</a:t>
+            </a:r>
+            <a:r>
+              <a:rPr lang="de-DE" dirty="0"/>
+              <a:t> </a:t>
+            </a:r>
+            <a:r>
+              <a:rPr lang="de-DE" dirty="0" err="1"/>
+              <a:t>diam</a:t>
+            </a:r>
+            <a:r>
+              <a:rPr lang="de-DE" dirty="0"/>
+              <a:t> </a:t>
+            </a:r>
+            <a:r>
+              <a:rPr lang="de-DE" dirty="0" err="1"/>
+              <a:t>nonumy</a:t>
+            </a:r>
+            <a:r>
+              <a:rPr lang="de-DE" dirty="0"/>
+              <a:t> </a:t>
+            </a:r>
+            <a:r>
+              <a:rPr lang="de-DE" dirty="0" err="1"/>
+              <a:t>eirmod</a:t>
             </a:r>
             <a:endParaRPr lang="de-DE" dirty="0"/>
           </a:p>
-        </p:txBody>
-      </p:sp>
-      <p:sp>
-        <p:nvSpPr>
-          <p:cNvPr id="8" name="Inhaltsplatzhalter 7"/>
-          <p:cNvSpPr>
-            <a:spLocks noGrp="1"/>
-          </p:cNvSpPr>
-          <p:nvPr>
-            <p:ph sz="half" idx="2"/>
+          <a:p>
+            <a:pPr lvl="1"/>
+            <a:r>
+              <a:rPr lang="de-DE" dirty="0"/>
+              <a:t>At </a:t>
+            </a:r>
+            <a:r>
+              <a:rPr lang="de-DE" dirty="0" err="1"/>
+              <a:t>vero</a:t>
+            </a:r>
+            <a:r>
+              <a:rPr lang="de-DE" dirty="0"/>
+              <a:t> </a:t>
+            </a:r>
+            <a:r>
+              <a:rPr lang="de-DE" dirty="0" err="1"/>
+              <a:t>eos</a:t>
+            </a:r>
+            <a:r>
+              <a:rPr lang="de-DE" dirty="0"/>
+              <a:t> et </a:t>
+            </a:r>
+            <a:r>
+              <a:rPr lang="de-DE" dirty="0" err="1"/>
+              <a:t>accusam</a:t>
+            </a:r>
+            <a:r>
+              <a:rPr lang="de-DE" dirty="0"/>
+              <a:t> et </a:t>
+            </a:r>
+            <a:r>
+              <a:rPr lang="de-DE" dirty="0" err="1"/>
+              <a:t>justo</a:t>
+            </a:r>
+            <a:r>
+              <a:rPr lang="de-DE" dirty="0"/>
+              <a:t> </a:t>
+            </a:r>
+            <a:r>
+              <a:rPr lang="de-DE" dirty="0" err="1"/>
+              <a:t>duo</a:t>
+            </a:r>
+            <a:r>
+              <a:rPr lang="de-DE" dirty="0"/>
+              <a:t> </a:t>
+            </a:r>
+            <a:r>
+              <a:rPr lang="de-DE" dirty="0" err="1"/>
+              <a:t>dolores</a:t>
+            </a:r>
+            <a:r>
+              <a:rPr lang="de-DE" dirty="0"/>
+              <a:t> et </a:t>
+            </a:r>
+            <a:r>
+              <a:rPr lang="de-DE" dirty="0" err="1"/>
+              <a:t>ea</a:t>
+            </a:r>
+            <a:r>
+              <a:rPr lang="de-DE" dirty="0"/>
+              <a:t> </a:t>
+            </a:r>
+            <a:r>
+              <a:rPr lang="de-DE" dirty="0" err="1"/>
+              <a:t>rebum</a:t>
+            </a:r>
+            <a:r>
+              <a:rPr lang="de-DE" dirty="0"/>
+              <a:t>. Stet </a:t>
+            </a:r>
+            <a:r>
+              <a:rPr lang="de-DE" dirty="0" err="1"/>
+              <a:t>clita</a:t>
+            </a:r>
+            <a:r>
+              <a:rPr lang="de-DE" dirty="0"/>
+              <a:t> </a:t>
+            </a:r>
+            <a:r>
+              <a:rPr lang="de-DE" dirty="0" err="1"/>
+              <a:t>kasd</a:t>
+            </a:r>
+            <a:r>
+              <a:rPr lang="de-DE" dirty="0"/>
+              <a:t> </a:t>
+            </a:r>
+            <a:r>
+              <a:rPr lang="de-DE" dirty="0" err="1"/>
+              <a:t>gubergren</a:t>
+            </a:r>
+            <a:r>
+              <a:rPr lang="de-DE" dirty="0"/>
+              <a:t> 	</a:t>
+            </a:r>
+          </a:p>
+          <a:p>
+            <a:pPr lvl="2"/>
+            <a:r>
+              <a:rPr lang="de-DE" dirty="0" err="1"/>
+              <a:t>No</a:t>
+            </a:r>
+            <a:r>
+              <a:rPr lang="de-DE" dirty="0"/>
+              <a:t> </a:t>
+            </a:r>
+            <a:r>
+              <a:rPr lang="de-DE" dirty="0" err="1"/>
+              <a:t>sea</a:t>
+            </a:r>
+            <a:r>
+              <a:rPr lang="de-DE" dirty="0"/>
+              <a:t> </a:t>
+            </a:r>
+            <a:r>
+              <a:rPr lang="de-DE" dirty="0" err="1"/>
+              <a:t>takimata</a:t>
+            </a:r>
+            <a:r>
+              <a:rPr lang="de-DE" dirty="0"/>
+              <a:t> sanctus </a:t>
+            </a:r>
+            <a:r>
+              <a:rPr lang="de-DE" dirty="0" err="1"/>
+              <a:t>est</a:t>
+            </a:r>
+            <a:r>
+              <a:rPr lang="de-DE" dirty="0"/>
+              <a:t> </a:t>
+            </a:r>
+            <a:r>
+              <a:rPr lang="de-DE" dirty="0" err="1"/>
+              <a:t>Lorem</a:t>
+            </a:r>
+            <a:r>
+              <a:rPr lang="de-DE" dirty="0"/>
+              <a:t> </a:t>
+            </a:r>
+            <a:r>
+              <a:rPr lang="de-DE" dirty="0" err="1"/>
+              <a:t>ipsum</a:t>
+            </a:r>
+            <a:r>
+              <a:rPr lang="de-DE" dirty="0"/>
+              <a:t> </a:t>
+            </a:r>
+            <a:r>
+              <a:rPr lang="de-DE" dirty="0" err="1"/>
+              <a:t>dolor</a:t>
+            </a:r>
+            <a:r>
+              <a:rPr lang="de-DE" dirty="0"/>
+              <a:t> </a:t>
+            </a:r>
+            <a:r>
+              <a:rPr lang="de-DE" dirty="0" err="1"/>
+              <a:t>sit</a:t>
+            </a:r>
+            <a:r>
+              <a:rPr lang="de-DE" dirty="0"/>
+              <a:t> </a:t>
+            </a:r>
+            <a:r>
+              <a:rPr lang="de-DE" dirty="0" err="1"/>
+              <a:t>amet</a:t>
+            </a:r>
+            <a:r>
+              <a:rPr lang="de-DE" dirty="0"/>
+              <a:t>. </a:t>
+            </a:r>
+          </a:p>
+          <a:p>
+            <a:r>
+              <a:rPr lang="de-DE" dirty="0" err="1"/>
+              <a:t>Lorem</a:t>
+            </a:r>
+            <a:r>
+              <a:rPr lang="de-DE" dirty="0"/>
+              <a:t> </a:t>
+            </a:r>
+            <a:r>
+              <a:rPr lang="de-DE" dirty="0" err="1"/>
+              <a:t>ipsum</a:t>
+            </a:r>
+            <a:r>
+              <a:rPr lang="de-DE" dirty="0"/>
+              <a:t> </a:t>
+            </a:r>
+            <a:r>
+              <a:rPr lang="de-DE" dirty="0" err="1"/>
+              <a:t>dolor</a:t>
+            </a:r>
+            <a:r>
+              <a:rPr lang="de-DE" dirty="0"/>
+              <a:t> </a:t>
+            </a:r>
+            <a:r>
+              <a:rPr lang="de-DE" dirty="0" err="1"/>
+              <a:t>sit</a:t>
+            </a:r>
+            <a:r>
+              <a:rPr lang="de-DE" dirty="0"/>
+              <a:t> </a:t>
+            </a:r>
+            <a:r>
+              <a:rPr lang="de-DE" dirty="0" err="1"/>
+              <a:t>amet</a:t>
+            </a:r>
+            <a:r>
+              <a:rPr lang="de-DE" dirty="0"/>
+              <a:t>, </a:t>
+            </a:r>
+            <a:r>
+              <a:rPr lang="de-DE" dirty="0" err="1"/>
+              <a:t>consetetur</a:t>
+            </a:r>
+            <a:r>
+              <a:rPr lang="de-DE" dirty="0"/>
+              <a:t> </a:t>
+            </a:r>
+            <a:r>
+              <a:rPr lang="de-DE" dirty="0" err="1"/>
+              <a:t>sadipscing</a:t>
+            </a:r>
+            <a:r>
+              <a:rPr lang="de-DE" dirty="0"/>
+              <a:t> </a:t>
+            </a:r>
+            <a:r>
+              <a:rPr lang="de-DE" dirty="0" err="1"/>
+              <a:t>elitr</a:t>
+            </a:r>
+            <a:r>
+              <a:rPr lang="de-DE" dirty="0"/>
+              <a:t>, </a:t>
+            </a:r>
+            <a:r>
+              <a:rPr lang="de-DE" dirty="0" err="1"/>
+              <a:t>sed</a:t>
+            </a:r>
+            <a:r>
+              <a:rPr lang="de-DE" dirty="0"/>
+              <a:t> </a:t>
+            </a:r>
+            <a:r>
+              <a:rPr lang="de-DE" dirty="0" err="1"/>
+              <a:t>diam</a:t>
+            </a:r>
+            <a:r>
+              <a:rPr lang="de-DE" dirty="0"/>
+              <a:t> </a:t>
+            </a:r>
+            <a:r>
+              <a:rPr lang="de-DE" dirty="0" err="1"/>
+              <a:t>nonumy</a:t>
+            </a:r>
+            <a:r>
+              <a:rPr lang="de-DE" dirty="0"/>
+              <a:t> </a:t>
+            </a:r>
+            <a:r>
+              <a:rPr lang="de-DE" dirty="0" err="1"/>
+              <a:t>eirmod</a:t>
+            </a:r>
+            <a:r>
+              <a:rPr lang="de-DE" dirty="0"/>
+              <a:t> </a:t>
+            </a:r>
+            <a:r>
+              <a:rPr lang="de-DE" dirty="0" err="1"/>
+              <a:t>tempor</a:t>
+            </a:r>
+            <a:r>
+              <a:rPr lang="de-DE" dirty="0"/>
+              <a:t> </a:t>
+            </a:r>
+            <a:r>
+              <a:rPr lang="de-DE" dirty="0" err="1"/>
+              <a:t>invidunt</a:t>
+            </a:r>
+            <a:r>
+              <a:rPr lang="de-DE" dirty="0"/>
+              <a:t> </a:t>
+            </a:r>
+          </a:p>
+          <a:p>
+            <a:r>
+              <a:rPr lang="de-DE" dirty="0"/>
+              <a:t>…</a:t>
+            </a:r>
+          </a:p>
+          <a:p>
+            <a:r>
+              <a:rPr lang="de-DE" dirty="0"/>
+              <a:t>…</a:t>
+            </a:r>
+          </a:p>
+          <a:p>
+            <a:pPr marL="0" indent="0">
+              <a:buNone/>
+            </a:pPr>
+            <a:endParaRPr lang="de-DE" dirty="0"/>
+          </a:p>
+        </p:txBody>
+      </p:sp>
+      <p:sp>
+        <p:nvSpPr>
+          <p:cNvPr id="2" name="Datumsplatzhalter 1"/>
+          <p:cNvSpPr>
+            <a:spLocks noGrp="1"/>
+          </p:cNvSpPr>
+          <p:nvPr>
+            <p:ph type="dt" sz="half" idx="10"/>
           </p:nvPr>
         </p:nvSpPr>
         <p:spPr/>
@@ -5698,93 +5734,22 @@
           <a:bodyPr/>
           <a:lstStyle/>
           <a:p>
-            <a:r>
-              <a:rPr lang="de-DE" dirty="0" err="1"/>
-              <a:t>Lorem</a:t>
-            </a:r>
-            <a:r>
-              <a:rPr lang="de-DE" dirty="0"/>
-              <a:t> </a:t>
-            </a:r>
-            <a:r>
-              <a:rPr lang="de-DE" dirty="0" err="1"/>
-              <a:t>ipsum</a:t>
-            </a:r>
-            <a:r>
-              <a:rPr lang="de-DE" dirty="0"/>
-              <a:t> </a:t>
-            </a:r>
-            <a:r>
-              <a:rPr lang="de-DE" dirty="0" err="1"/>
-              <a:t>dolor</a:t>
-            </a:r>
-            <a:r>
-              <a:rPr lang="de-DE" dirty="0"/>
-              <a:t> </a:t>
-            </a:r>
-            <a:r>
-              <a:rPr lang="de-DE" dirty="0" err="1"/>
-              <a:t>sit</a:t>
-            </a:r>
-            <a:r>
-              <a:rPr lang="de-DE" dirty="0"/>
-              <a:t> </a:t>
-            </a:r>
-            <a:r>
-              <a:rPr lang="de-DE" dirty="0" err="1"/>
-              <a:t>amet</a:t>
-            </a:r>
-            <a:r>
-              <a:rPr lang="de-DE" dirty="0"/>
-              <a:t>, </a:t>
-            </a:r>
-            <a:r>
-              <a:rPr lang="de-DE" dirty="0" err="1"/>
-              <a:t>consetetur</a:t>
-            </a:r>
-            <a:r>
-              <a:rPr lang="de-DE" dirty="0"/>
-              <a:t> </a:t>
-            </a:r>
-            <a:r>
-              <a:rPr lang="de-DE" dirty="0" err="1"/>
-              <a:t>sadipscing</a:t>
-            </a:r>
-            <a:r>
-              <a:rPr lang="de-DE" dirty="0"/>
-              <a:t> </a:t>
-            </a:r>
-          </a:p>
-          <a:p>
-            <a:r>
-              <a:rPr lang="de-DE" dirty="0"/>
-              <a:t>…</a:t>
-            </a:r>
-          </a:p>
-          <a:p>
-            <a:pPr lvl="1"/>
-            <a:r>
-              <a:rPr lang="de-DE" dirty="0"/>
-              <a:t>…</a:t>
-            </a:r>
-          </a:p>
-          <a:p>
-            <a:pPr lvl="1"/>
-            <a:r>
-              <a:rPr lang="de-DE" dirty="0"/>
-              <a:t>…</a:t>
-            </a:r>
-          </a:p>
-        </p:txBody>
-      </p:sp>
-      <p:sp>
-        <p:nvSpPr>
-          <p:cNvPr id="9" name="Textplatzhalter 8"/>
-          <p:cNvSpPr>
-            <a:spLocks noGrp="1"/>
-          </p:cNvSpPr>
-          <p:nvPr>
-            <p:ph type="body" sz="quarter" idx="3"/>
+            <a:fld id="{C7355B21-B324-434D-ABB6-684CB6180B39}" type="datetime1">
+              <a:rPr lang="de-DE" smtClean="0"/>
+              <a:t>17.01.2021</a:t>
+            </a:fld>
+            <a:endParaRPr lang="de-DE"/>
+          </a:p>
+        </p:txBody>
+      </p:sp>
+      <p:sp>
+        <p:nvSpPr>
+          <p:cNvPr id="3" name="Foliennummernplatzhalter 2"/>
+          <p:cNvSpPr>
+            <a:spLocks noGrp="1"/>
+          </p:cNvSpPr>
+          <p:nvPr>
+            <p:ph type="sldNum" sz="quarter" idx="12"/>
           </p:nvPr>
         </p:nvSpPr>
         <p:spPr/>
@@ -5792,30 +5757,22 @@
           <a:bodyPr/>
           <a:lstStyle/>
           <a:p>
-            <a:r>
-              <a:rPr lang="de-DE" dirty="0" err="1"/>
-              <a:t>Subline</a:t>
-            </a:r>
-            <a:r>
-              <a:rPr lang="de-DE" dirty="0"/>
-              <a:t>: Arial 20pt </a:t>
-            </a:r>
-            <a:r>
-              <a:rPr lang="de-DE" dirty="0" err="1"/>
-              <a:t>bold</a:t>
-            </a:r>
+            <a:fld id="{61696EC4-B4CF-4701-AD06-A8439D6D8E12}" type="slidenum">
+              <a:rPr lang="de-DE" smtClean="0"/>
+              <a:t>3</a:t>
+            </a:fld>
             <a:endParaRPr lang="de-DE" dirty="0"/>
           </a:p>
         </p:txBody>
       </p:sp>
       <p:sp>
         <p:nvSpPr>
-          <p:cNvPr id="10" name="Inhaltsplatzhalter 9"/>
-          <p:cNvSpPr>
-            <a:spLocks noGrp="1"/>
-          </p:cNvSpPr>
-          <p:nvPr>
-            <p:ph sz="quarter" idx="4"/>
+          <p:cNvPr id="6" name="Titel 5"/>
+          <p:cNvSpPr>
+            <a:spLocks noGrp="1"/>
+          </p:cNvSpPr>
+          <p:nvPr>
+            <p:ph type="title"/>
           </p:nvPr>
         </p:nvSpPr>
         <p:spPr/>
@@ -5823,361 +5780,9 @@
           <a:bodyPr/>
           <a:lstStyle/>
           <a:p>
-            <a:pPr marL="0" indent="0">
-              <a:buNone/>
-            </a:pPr>
-            <a:r>
-              <a:rPr lang="de-DE" dirty="0" err="1"/>
-              <a:t>Lorem</a:t>
-            </a:r>
-            <a:r>
-              <a:rPr lang="de-DE" dirty="0"/>
-              <a:t> </a:t>
-            </a:r>
-            <a:r>
-              <a:rPr lang="de-DE" dirty="0" err="1"/>
-              <a:t>ipsum</a:t>
-            </a:r>
-            <a:r>
-              <a:rPr lang="de-DE" dirty="0"/>
-              <a:t> </a:t>
-            </a:r>
-            <a:r>
-              <a:rPr lang="de-DE" dirty="0" err="1"/>
-              <a:t>dolor</a:t>
-            </a:r>
-            <a:r>
-              <a:rPr lang="de-DE" dirty="0"/>
-              <a:t> </a:t>
-            </a:r>
-            <a:r>
-              <a:rPr lang="de-DE" dirty="0" err="1"/>
-              <a:t>sit</a:t>
-            </a:r>
-            <a:r>
-              <a:rPr lang="de-DE" dirty="0"/>
-              <a:t> </a:t>
-            </a:r>
-            <a:r>
-              <a:rPr lang="de-DE" dirty="0" err="1"/>
-              <a:t>amet</a:t>
-            </a:r>
-            <a:r>
-              <a:rPr lang="de-DE" dirty="0"/>
-              <a:t>, </a:t>
-            </a:r>
-            <a:r>
-              <a:rPr lang="de-DE" dirty="0" err="1"/>
-              <a:t>consetetur</a:t>
-            </a:r>
-            <a:r>
-              <a:rPr lang="de-DE" dirty="0"/>
-              <a:t> </a:t>
-            </a:r>
-            <a:r>
-              <a:rPr lang="de-DE" dirty="0" err="1"/>
-              <a:t>sadipscing</a:t>
-            </a:r>
-            <a:r>
-              <a:rPr lang="de-DE" dirty="0"/>
-              <a:t> </a:t>
-            </a:r>
-            <a:r>
-              <a:rPr lang="de-DE" dirty="0" err="1"/>
-              <a:t>elitr</a:t>
-            </a:r>
-            <a:r>
-              <a:rPr lang="de-DE" dirty="0"/>
-              <a:t>, </a:t>
-            </a:r>
-            <a:r>
-              <a:rPr lang="de-DE" dirty="0" err="1"/>
-              <a:t>sed</a:t>
-            </a:r>
-            <a:r>
-              <a:rPr lang="de-DE" dirty="0"/>
-              <a:t> </a:t>
-            </a:r>
-            <a:r>
-              <a:rPr lang="de-DE" dirty="0" err="1"/>
-              <a:t>diam</a:t>
-            </a:r>
-            <a:r>
-              <a:rPr lang="de-DE" dirty="0"/>
-              <a:t> </a:t>
-            </a:r>
-            <a:r>
-              <a:rPr lang="de-DE" dirty="0" err="1"/>
-              <a:t>nonumy</a:t>
-            </a:r>
-            <a:r>
-              <a:rPr lang="de-DE" dirty="0"/>
-              <a:t> </a:t>
-            </a:r>
-            <a:r>
-              <a:rPr lang="de-DE" dirty="0" err="1"/>
-              <a:t>eirmod</a:t>
-            </a:r>
-            <a:r>
-              <a:rPr lang="de-DE" dirty="0"/>
-              <a:t> </a:t>
-            </a:r>
-            <a:r>
-              <a:rPr lang="de-DE" dirty="0" err="1"/>
-              <a:t>tempor</a:t>
-            </a:r>
-            <a:r>
-              <a:rPr lang="de-DE" dirty="0"/>
-              <a:t> </a:t>
-            </a:r>
-            <a:r>
-              <a:rPr lang="de-DE" dirty="0" err="1"/>
-              <a:t>invidunt</a:t>
-            </a:r>
-            <a:r>
-              <a:rPr lang="de-DE" dirty="0"/>
-              <a:t> </a:t>
-            </a:r>
-            <a:r>
-              <a:rPr lang="de-DE" dirty="0" err="1"/>
-              <a:t>ut</a:t>
-            </a:r>
-            <a:r>
-              <a:rPr lang="de-DE" dirty="0"/>
-              <a:t> </a:t>
-            </a:r>
-            <a:r>
-              <a:rPr lang="de-DE" dirty="0" err="1"/>
-              <a:t>labore</a:t>
-            </a:r>
-            <a:r>
-              <a:rPr lang="de-DE" dirty="0"/>
-              <a:t> et </a:t>
-            </a:r>
-            <a:r>
-              <a:rPr lang="de-DE" dirty="0" err="1"/>
-              <a:t>dolore</a:t>
-            </a:r>
-            <a:r>
-              <a:rPr lang="de-DE" dirty="0"/>
-              <a:t> magna </a:t>
-            </a:r>
-            <a:r>
-              <a:rPr lang="de-DE" dirty="0" err="1"/>
-              <a:t>aliquyam</a:t>
-            </a:r>
-            <a:r>
-              <a:rPr lang="de-DE" dirty="0"/>
-              <a:t> </a:t>
-            </a:r>
-            <a:r>
-              <a:rPr lang="de-DE" dirty="0" err="1"/>
-              <a:t>erat</a:t>
-            </a:r>
-            <a:r>
-              <a:rPr lang="de-DE" dirty="0"/>
-              <a:t>, </a:t>
-            </a:r>
-            <a:r>
-              <a:rPr lang="de-DE" dirty="0" err="1"/>
-              <a:t>sed</a:t>
-            </a:r>
-            <a:r>
-              <a:rPr lang="de-DE" dirty="0"/>
-              <a:t> </a:t>
-            </a:r>
-            <a:r>
-              <a:rPr lang="de-DE" dirty="0" err="1"/>
-              <a:t>diam</a:t>
-            </a:r>
-            <a:r>
-              <a:rPr lang="de-DE" dirty="0"/>
-              <a:t> </a:t>
-            </a:r>
-            <a:r>
-              <a:rPr lang="de-DE" dirty="0" err="1"/>
-              <a:t>voluptua</a:t>
-            </a:r>
-            <a:r>
-              <a:rPr lang="de-DE" dirty="0"/>
-              <a:t>. </a:t>
-            </a:r>
-          </a:p>
-          <a:p>
-            <a:pPr marL="0" indent="0">
-              <a:buNone/>
-            </a:pPr>
-            <a:r>
-              <a:rPr lang="de-DE" dirty="0"/>
-              <a:t>At </a:t>
-            </a:r>
-            <a:r>
-              <a:rPr lang="de-DE" dirty="0" err="1"/>
-              <a:t>vero</a:t>
-            </a:r>
-            <a:r>
-              <a:rPr lang="de-DE" dirty="0"/>
-              <a:t> </a:t>
-            </a:r>
-            <a:r>
-              <a:rPr lang="de-DE" dirty="0" err="1"/>
-              <a:t>eos</a:t>
-            </a:r>
-            <a:r>
-              <a:rPr lang="de-DE" dirty="0"/>
-              <a:t> et </a:t>
-            </a:r>
-            <a:r>
-              <a:rPr lang="de-DE" dirty="0" err="1"/>
-              <a:t>accusam</a:t>
-            </a:r>
-            <a:r>
-              <a:rPr lang="de-DE" dirty="0"/>
-              <a:t> et </a:t>
-            </a:r>
-            <a:r>
-              <a:rPr lang="de-DE" dirty="0" err="1"/>
-              <a:t>justo</a:t>
-            </a:r>
-            <a:r>
-              <a:rPr lang="de-DE" dirty="0"/>
-              <a:t> </a:t>
-            </a:r>
-            <a:r>
-              <a:rPr lang="de-DE" dirty="0" err="1"/>
-              <a:t>duo</a:t>
-            </a:r>
-            <a:r>
-              <a:rPr lang="de-DE" dirty="0"/>
-              <a:t> </a:t>
-            </a:r>
-            <a:r>
-              <a:rPr lang="de-DE" dirty="0" err="1"/>
-              <a:t>dolores</a:t>
-            </a:r>
-            <a:r>
-              <a:rPr lang="de-DE" dirty="0"/>
-              <a:t> et </a:t>
-            </a:r>
-            <a:r>
-              <a:rPr lang="de-DE" dirty="0" err="1"/>
-              <a:t>ea</a:t>
-            </a:r>
-            <a:r>
-              <a:rPr lang="de-DE" dirty="0"/>
-              <a:t> </a:t>
-            </a:r>
-            <a:r>
-              <a:rPr lang="de-DE" dirty="0" err="1"/>
-              <a:t>rebum</a:t>
-            </a:r>
-            <a:r>
-              <a:rPr lang="de-DE" dirty="0"/>
-              <a:t>. Stet </a:t>
-            </a:r>
-            <a:r>
-              <a:rPr lang="de-DE" dirty="0" err="1"/>
-              <a:t>clita</a:t>
-            </a:r>
-            <a:r>
-              <a:rPr lang="de-DE" dirty="0"/>
-              <a:t> </a:t>
-            </a:r>
-            <a:r>
-              <a:rPr lang="de-DE" dirty="0" err="1"/>
-              <a:t>kasd</a:t>
-            </a:r>
-            <a:r>
-              <a:rPr lang="de-DE" dirty="0"/>
-              <a:t> </a:t>
-            </a:r>
-            <a:r>
-              <a:rPr lang="de-DE" dirty="0" err="1"/>
-              <a:t>gubergren</a:t>
-            </a:r>
-            <a:r>
-              <a:rPr lang="de-DE" dirty="0"/>
-              <a:t>.</a:t>
-            </a:r>
-          </a:p>
-        </p:txBody>
-      </p:sp>
-      <p:sp>
-        <p:nvSpPr>
-          <p:cNvPr id="3" name="Datumsplatzhalter 2"/>
-          <p:cNvSpPr>
-            <a:spLocks noGrp="1"/>
-          </p:cNvSpPr>
-          <p:nvPr>
-            <p:ph type="dt" sz="half" idx="10"/>
-          </p:nvPr>
-        </p:nvSpPr>
-        <p:spPr/>
-        <p:txBody>
-          <a:bodyPr/>
-          <a:lstStyle/>
-          <a:p>
-            <a:fld id="{0A9BFA6A-9A63-4E2D-92C0-C77BFA750EDB}" type="datetime1">
-              <a:rPr lang="de-DE" noProof="0" smtClean="0"/>
-              <a:t>17.01.2021</a:t>
-            </a:fld>
-            <a:endParaRPr lang="en-US" noProof="0"/>
-          </a:p>
-        </p:txBody>
-      </p:sp>
-      <p:sp>
-        <p:nvSpPr>
-          <p:cNvPr id="4" name="Foliennummernplatzhalter 3"/>
-          <p:cNvSpPr>
-            <a:spLocks noGrp="1"/>
-          </p:cNvSpPr>
-          <p:nvPr>
-            <p:ph type="sldNum" sz="quarter" idx="12"/>
-          </p:nvPr>
-        </p:nvSpPr>
-        <p:spPr/>
-        <p:txBody>
-          <a:bodyPr/>
-          <a:lstStyle/>
-          <a:p>
-            <a:fld id="{61696EC4-B4CF-4701-AD06-A8439D6D8E12}" type="slidenum">
-              <a:rPr lang="en-US" noProof="0" smtClean="0"/>
-              <a:t>3</a:t>
-            </a:fld>
-            <a:endParaRPr lang="en-US" noProof="0"/>
-          </a:p>
-        </p:txBody>
-      </p:sp>
-      <p:sp>
-        <p:nvSpPr>
-          <p:cNvPr id="6" name="Titel 5"/>
-          <p:cNvSpPr>
-            <a:spLocks noGrp="1"/>
-          </p:cNvSpPr>
-          <p:nvPr>
-            <p:ph type="title"/>
-          </p:nvPr>
-        </p:nvSpPr>
-        <p:spPr/>
-        <p:txBody>
-          <a:bodyPr/>
-          <a:lstStyle/>
-          <a:p>
-            <a:r>
-              <a:rPr lang="de-DE" dirty="0"/>
-              <a:t>Sample </a:t>
-            </a:r>
-            <a:r>
-              <a:rPr lang="de-DE" dirty="0" err="1"/>
-              <a:t>headline</a:t>
-            </a:r>
-            <a:r>
-              <a:rPr lang="de-DE" dirty="0"/>
-              <a:t>: Arial 24pt </a:t>
-            </a:r>
-            <a:r>
-              <a:rPr lang="de-DE" dirty="0" err="1"/>
-              <a:t>bold</a:t>
+            <a:r>
+              <a:rPr lang="de-DE"/>
+              <a:t>Sample headline: Arial 24pt bold</a:t>
             </a:r>
             <a:endParaRPr lang="de-DE" dirty="0"/>
           </a:p>
@@ -6186,7 +5791,7 @@
     </p:spTree>
     <p:extLst>
       <p:ext uri="{BB962C8B-B14F-4D97-AF65-F5344CB8AC3E}">
-        <p14:creationId xmlns:p14="http://schemas.microsoft.com/office/powerpoint/2010/main" val="1630946909"/>
+        <p14:creationId xmlns:p14="http://schemas.microsoft.com/office/powerpoint/2010/main" val="3168659844"/>
       </p:ext>
     </p:extLst>
   </p:cSld>
@@ -6371,6 +5976,300 @@
       </p:sp>
       <p:sp>
         <p:nvSpPr>
+          <p:cNvPr id="10" name="Inhaltsplatzhalter 9"/>
+          <p:cNvSpPr>
+            <a:spLocks noGrp="1"/>
+          </p:cNvSpPr>
+          <p:nvPr>
+            <p:ph sz="quarter" idx="4"/>
+          </p:nvPr>
+        </p:nvSpPr>
+        <p:spPr/>
+        <p:txBody>
+          <a:bodyPr/>
+          <a:lstStyle/>
+          <a:p>
+            <a:pPr marL="0" indent="0">
+              <a:buNone/>
+            </a:pPr>
+            <a:r>
+              <a:rPr lang="de-DE" dirty="0" err="1"/>
+              <a:t>Lorem</a:t>
+            </a:r>
+            <a:r>
+              <a:rPr lang="de-DE" dirty="0"/>
+              <a:t> </a:t>
+            </a:r>
+            <a:r>
+              <a:rPr lang="de-DE" dirty="0" err="1"/>
+              <a:t>ipsum</a:t>
+            </a:r>
+            <a:r>
+              <a:rPr lang="de-DE" dirty="0"/>
+              <a:t> </a:t>
+            </a:r>
+            <a:r>
+              <a:rPr lang="de-DE" dirty="0" err="1"/>
+              <a:t>dolor</a:t>
+            </a:r>
+            <a:r>
+              <a:rPr lang="de-DE" dirty="0"/>
+              <a:t> </a:t>
+            </a:r>
+            <a:r>
+              <a:rPr lang="de-DE" dirty="0" err="1"/>
+              <a:t>sit</a:t>
+            </a:r>
+            <a:r>
+              <a:rPr lang="de-DE" dirty="0"/>
+              <a:t> </a:t>
+            </a:r>
+            <a:r>
+              <a:rPr lang="de-DE" dirty="0" err="1"/>
+              <a:t>amet</a:t>
+            </a:r>
+            <a:r>
+              <a:rPr lang="de-DE" dirty="0"/>
+              <a:t>, </a:t>
+            </a:r>
+            <a:r>
+              <a:rPr lang="de-DE" dirty="0" err="1"/>
+              <a:t>consetetur</a:t>
+            </a:r>
+            <a:r>
+              <a:rPr lang="de-DE" dirty="0"/>
+              <a:t> </a:t>
+            </a:r>
+            <a:r>
+              <a:rPr lang="de-DE" dirty="0" err="1"/>
+              <a:t>sadipscing</a:t>
+            </a:r>
+            <a:r>
+              <a:rPr lang="de-DE" dirty="0"/>
+              <a:t> </a:t>
+            </a:r>
+            <a:r>
+              <a:rPr lang="de-DE" dirty="0" err="1"/>
+              <a:t>elitr</a:t>
+            </a:r>
+            <a:r>
+              <a:rPr lang="de-DE" dirty="0"/>
+              <a:t>, </a:t>
+            </a:r>
+            <a:r>
+              <a:rPr lang="de-DE" dirty="0" err="1"/>
+              <a:t>sed</a:t>
+            </a:r>
+            <a:r>
+              <a:rPr lang="de-DE" dirty="0"/>
+              <a:t> </a:t>
+            </a:r>
+            <a:r>
+              <a:rPr lang="de-DE" dirty="0" err="1"/>
+              <a:t>diam</a:t>
+            </a:r>
+            <a:r>
+              <a:rPr lang="de-DE" dirty="0"/>
+              <a:t> </a:t>
+            </a:r>
+            <a:r>
+              <a:rPr lang="de-DE" dirty="0" err="1"/>
+              <a:t>nonumy</a:t>
+            </a:r>
+            <a:r>
+              <a:rPr lang="de-DE" dirty="0"/>
+              <a:t> </a:t>
+            </a:r>
+            <a:r>
+              <a:rPr lang="de-DE" dirty="0" err="1"/>
+              <a:t>eirmod</a:t>
+            </a:r>
+            <a:r>
+              <a:rPr lang="de-DE" dirty="0"/>
+              <a:t> </a:t>
+            </a:r>
+            <a:r>
+              <a:rPr lang="de-DE" dirty="0" err="1"/>
+              <a:t>tempor</a:t>
+            </a:r>
+            <a:r>
+              <a:rPr lang="de-DE" dirty="0"/>
+              <a:t> </a:t>
+            </a:r>
+            <a:r>
+              <a:rPr lang="de-DE" dirty="0" err="1"/>
+              <a:t>invidunt</a:t>
+            </a:r>
+            <a:r>
+              <a:rPr lang="de-DE" dirty="0"/>
+              <a:t> </a:t>
+            </a:r>
+            <a:r>
+              <a:rPr lang="de-DE" dirty="0" err="1"/>
+              <a:t>ut</a:t>
+            </a:r>
+            <a:r>
+              <a:rPr lang="de-DE" dirty="0"/>
+              <a:t> </a:t>
+            </a:r>
+            <a:r>
+              <a:rPr lang="de-DE" dirty="0" err="1"/>
+              <a:t>labore</a:t>
+            </a:r>
+            <a:r>
+              <a:rPr lang="de-DE" dirty="0"/>
+              <a:t> et </a:t>
+            </a:r>
+            <a:r>
+              <a:rPr lang="de-DE" dirty="0" err="1"/>
+              <a:t>dolore</a:t>
+            </a:r>
+            <a:r>
+              <a:rPr lang="de-DE" dirty="0"/>
+              <a:t> magna </a:t>
+            </a:r>
+            <a:r>
+              <a:rPr lang="de-DE" dirty="0" err="1"/>
+              <a:t>aliquyam</a:t>
+            </a:r>
+            <a:r>
+              <a:rPr lang="de-DE" dirty="0"/>
+              <a:t> </a:t>
+            </a:r>
+            <a:r>
+              <a:rPr lang="de-DE" dirty="0" err="1"/>
+              <a:t>erat</a:t>
+            </a:r>
+            <a:r>
+              <a:rPr lang="de-DE" dirty="0"/>
+              <a:t>, </a:t>
+            </a:r>
+            <a:r>
+              <a:rPr lang="de-DE" dirty="0" err="1"/>
+              <a:t>sed</a:t>
+            </a:r>
+            <a:r>
+              <a:rPr lang="de-DE" dirty="0"/>
+              <a:t> </a:t>
+            </a:r>
+            <a:r>
+              <a:rPr lang="de-DE" dirty="0" err="1"/>
+              <a:t>diam</a:t>
+            </a:r>
+            <a:r>
+              <a:rPr lang="de-DE" dirty="0"/>
+              <a:t> </a:t>
+            </a:r>
+            <a:r>
+              <a:rPr lang="de-DE" dirty="0" err="1"/>
+              <a:t>voluptua</a:t>
+            </a:r>
+            <a:r>
+              <a:rPr lang="de-DE" dirty="0"/>
+              <a:t>. </a:t>
+            </a:r>
+          </a:p>
+          <a:p>
+            <a:pPr marL="0" indent="0">
+              <a:buNone/>
+            </a:pPr>
+            <a:r>
+              <a:rPr lang="de-DE" dirty="0"/>
+              <a:t>At </a:t>
+            </a:r>
+            <a:r>
+              <a:rPr lang="de-DE" dirty="0" err="1"/>
+              <a:t>vero</a:t>
+            </a:r>
+            <a:r>
+              <a:rPr lang="de-DE" dirty="0"/>
+              <a:t> </a:t>
+            </a:r>
+            <a:r>
+              <a:rPr lang="de-DE" dirty="0" err="1"/>
+              <a:t>eos</a:t>
+            </a:r>
+            <a:r>
+              <a:rPr lang="de-DE" dirty="0"/>
+              <a:t> et </a:t>
+            </a:r>
+            <a:r>
+              <a:rPr lang="de-DE" dirty="0" err="1"/>
+              <a:t>accusam</a:t>
+            </a:r>
+            <a:r>
+              <a:rPr lang="de-DE" dirty="0"/>
+              <a:t> et </a:t>
+            </a:r>
+            <a:r>
+              <a:rPr lang="de-DE" dirty="0" err="1"/>
+              <a:t>justo</a:t>
+            </a:r>
+            <a:r>
+              <a:rPr lang="de-DE" dirty="0"/>
+              <a:t> </a:t>
+            </a:r>
+            <a:r>
+              <a:rPr lang="de-DE" dirty="0" err="1"/>
+              <a:t>duo</a:t>
+            </a:r>
+            <a:r>
+              <a:rPr lang="de-DE" dirty="0"/>
+              <a:t> </a:t>
+            </a:r>
+            <a:r>
+              <a:rPr lang="de-DE" dirty="0" err="1"/>
+              <a:t>dolores</a:t>
+            </a:r>
+            <a:r>
+              <a:rPr lang="de-DE" dirty="0"/>
+              <a:t> et </a:t>
+            </a:r>
+            <a:r>
+              <a:rPr lang="de-DE" dirty="0" err="1"/>
+              <a:t>ea</a:t>
+            </a:r>
+            <a:r>
+              <a:rPr lang="de-DE" dirty="0"/>
+              <a:t> </a:t>
+            </a:r>
+            <a:r>
+              <a:rPr lang="de-DE" dirty="0" err="1"/>
+              <a:t>rebum</a:t>
+            </a:r>
+            <a:r>
+              <a:rPr lang="de-DE" dirty="0"/>
+              <a:t>. Stet </a:t>
+            </a:r>
+            <a:r>
+              <a:rPr lang="de-DE" dirty="0" err="1"/>
+              <a:t>clita</a:t>
+            </a:r>
+            <a:r>
+              <a:rPr lang="de-DE" dirty="0"/>
+              <a:t> </a:t>
+            </a:r>
+            <a:r>
+              <a:rPr lang="de-DE" dirty="0" err="1"/>
+              <a:t>kasd</a:t>
+            </a:r>
+            <a:r>
+              <a:rPr lang="de-DE" dirty="0"/>
+              <a:t> </a:t>
+            </a:r>
+            <a:r>
+              <a:rPr lang="de-DE" dirty="0" err="1"/>
+              <a:t>gubergren</a:t>
+            </a:r>
+            <a:r>
+              <a:rPr lang="de-DE" dirty="0"/>
+              <a:t>.</a:t>
+            </a:r>
+          </a:p>
+        </p:txBody>
+      </p:sp>
+      <p:sp>
+        <p:nvSpPr>
           <p:cNvPr id="3" name="Datumsplatzhalter 2"/>
           <p:cNvSpPr>
             <a:spLocks noGrp="1"/>
@@ -6410,6 +6309,273 @@
             <a:fld id="{61696EC4-B4CF-4701-AD06-A8439D6D8E12}" type="slidenum">
               <a:rPr lang="en-US" noProof="0" smtClean="0"/>
               <a:t>4</a:t>
+            </a:fld>
+            <a:endParaRPr lang="en-US" noProof="0"/>
+          </a:p>
+        </p:txBody>
+      </p:sp>
+      <p:sp>
+        <p:nvSpPr>
+          <p:cNvPr id="6" name="Titel 5"/>
+          <p:cNvSpPr>
+            <a:spLocks noGrp="1"/>
+          </p:cNvSpPr>
+          <p:nvPr>
+            <p:ph type="title"/>
+          </p:nvPr>
+        </p:nvSpPr>
+        <p:spPr/>
+        <p:txBody>
+          <a:bodyPr/>
+          <a:lstStyle/>
+          <a:p>
+            <a:r>
+              <a:rPr lang="de-DE" dirty="0"/>
+              <a:t>Sample </a:t>
+            </a:r>
+            <a:r>
+              <a:rPr lang="de-DE" dirty="0" err="1"/>
+              <a:t>headline</a:t>
+            </a:r>
+            <a:r>
+              <a:rPr lang="de-DE" dirty="0"/>
+              <a:t>: Arial 24pt </a:t>
+            </a:r>
+            <a:r>
+              <a:rPr lang="de-DE" dirty="0" err="1"/>
+              <a:t>bold</a:t>
+            </a:r>
+            <a:endParaRPr lang="de-DE" dirty="0"/>
+          </a:p>
+        </p:txBody>
+      </p:sp>
+    </p:spTree>
+    <p:extLst>
+      <p:ext uri="{BB962C8B-B14F-4D97-AF65-F5344CB8AC3E}">
+        <p14:creationId xmlns:p14="http://schemas.microsoft.com/office/powerpoint/2010/main" val="1630946909"/>
+      </p:ext>
+    </p:extLst>
+  </p:cSld>
+  <p:clrMapOvr>
+    <a:masterClrMapping/>
+  </p:clrMapOvr>
+</p:sld>
+</file>
+
+<file path=ppt/slides/slide5.xml><?xml version="1.0" encoding="utf-8"?>
+<p:sld xmlns:a="http://schemas.openxmlformats.org/drawingml/2006/main" xmlns:r="http://schemas.openxmlformats.org/officeDocument/2006/relationships" xmlns:p="http://schemas.openxmlformats.org/presentationml/2006/main">
+  <p:cSld>
+    <p:spTree>
+      <p:nvGrpSpPr>
+        <p:cNvPr id="1" name=""/>
+        <p:cNvGrpSpPr/>
+        <p:nvPr/>
+      </p:nvGrpSpPr>
+      <p:grpSpPr>
+        <a:xfrm>
+          <a:off x="0" y="0"/>
+          <a:ext cx="0" cy="0"/>
+          <a:chOff x="0" y="0"/>
+          <a:chExt cx="0" cy="0"/>
+        </a:xfrm>
+      </p:grpSpPr>
+      <p:sp>
+        <p:nvSpPr>
+          <p:cNvPr id="7" name="Textplatzhalter 6"/>
+          <p:cNvSpPr>
+            <a:spLocks noGrp="1"/>
+          </p:cNvSpPr>
+          <p:nvPr>
+            <p:ph type="body" idx="1"/>
+          </p:nvPr>
+        </p:nvSpPr>
+        <p:spPr/>
+        <p:txBody>
+          <a:bodyPr/>
+          <a:lstStyle/>
+          <a:p>
+            <a:r>
+              <a:rPr lang="de-DE" dirty="0" err="1"/>
+              <a:t>Subline</a:t>
+            </a:r>
+            <a:r>
+              <a:rPr lang="de-DE" dirty="0"/>
+              <a:t>: Arial 20pt </a:t>
+            </a:r>
+            <a:r>
+              <a:rPr lang="de-DE" dirty="0" err="1"/>
+              <a:t>bold</a:t>
+            </a:r>
+            <a:endParaRPr lang="de-DE" dirty="0"/>
+          </a:p>
+        </p:txBody>
+      </p:sp>
+      <p:sp>
+        <p:nvSpPr>
+          <p:cNvPr id="8" name="Inhaltsplatzhalter 7"/>
+          <p:cNvSpPr>
+            <a:spLocks noGrp="1"/>
+          </p:cNvSpPr>
+          <p:nvPr>
+            <p:ph sz="half" idx="2"/>
+          </p:nvPr>
+        </p:nvSpPr>
+        <p:spPr/>
+        <p:txBody>
+          <a:bodyPr/>
+          <a:lstStyle/>
+          <a:p>
+            <a:r>
+              <a:rPr lang="de-DE" dirty="0" err="1"/>
+              <a:t>Lorem</a:t>
+            </a:r>
+            <a:r>
+              <a:rPr lang="de-DE" dirty="0"/>
+              <a:t> </a:t>
+            </a:r>
+            <a:r>
+              <a:rPr lang="de-DE" dirty="0" err="1"/>
+              <a:t>ipsum</a:t>
+            </a:r>
+            <a:r>
+              <a:rPr lang="de-DE" dirty="0"/>
+              <a:t> </a:t>
+            </a:r>
+            <a:r>
+              <a:rPr lang="de-DE" dirty="0" err="1"/>
+              <a:t>dolor</a:t>
+            </a:r>
+            <a:r>
+              <a:rPr lang="de-DE" dirty="0"/>
+              <a:t> </a:t>
+            </a:r>
+            <a:r>
+              <a:rPr lang="de-DE" dirty="0" err="1"/>
+              <a:t>sit</a:t>
+            </a:r>
+            <a:r>
+              <a:rPr lang="de-DE" dirty="0"/>
+              <a:t> </a:t>
+            </a:r>
+            <a:r>
+              <a:rPr lang="de-DE" dirty="0" err="1"/>
+              <a:t>amet</a:t>
+            </a:r>
+            <a:r>
+              <a:rPr lang="de-DE" dirty="0"/>
+              <a:t>, </a:t>
+            </a:r>
+            <a:r>
+              <a:rPr lang="de-DE" dirty="0" err="1"/>
+              <a:t>consetetur</a:t>
+            </a:r>
+            <a:r>
+              <a:rPr lang="de-DE" dirty="0"/>
+              <a:t> </a:t>
+            </a:r>
+            <a:r>
+              <a:rPr lang="de-DE" dirty="0" err="1"/>
+              <a:t>sadipscing</a:t>
+            </a:r>
+            <a:r>
+              <a:rPr lang="de-DE" dirty="0"/>
+              <a:t> </a:t>
+            </a:r>
+          </a:p>
+          <a:p>
+            <a:r>
+              <a:rPr lang="de-DE" dirty="0"/>
+              <a:t>…</a:t>
+            </a:r>
+          </a:p>
+          <a:p>
+            <a:pPr lvl="1"/>
+            <a:r>
+              <a:rPr lang="de-DE" dirty="0"/>
+              <a:t>…</a:t>
+            </a:r>
+          </a:p>
+          <a:p>
+            <a:pPr lvl="1"/>
+            <a:r>
+              <a:rPr lang="de-DE" dirty="0"/>
+              <a:t>…</a:t>
+            </a:r>
+          </a:p>
+        </p:txBody>
+      </p:sp>
+      <p:sp>
+        <p:nvSpPr>
+          <p:cNvPr id="9" name="Textplatzhalter 8"/>
+          <p:cNvSpPr>
+            <a:spLocks noGrp="1"/>
+          </p:cNvSpPr>
+          <p:nvPr>
+            <p:ph type="body" sz="quarter" idx="3"/>
+          </p:nvPr>
+        </p:nvSpPr>
+        <p:spPr/>
+        <p:txBody>
+          <a:bodyPr/>
+          <a:lstStyle/>
+          <a:p>
+            <a:r>
+              <a:rPr lang="de-DE" dirty="0" err="1"/>
+              <a:t>Subline</a:t>
+            </a:r>
+            <a:r>
+              <a:rPr lang="de-DE" dirty="0"/>
+              <a:t>: Arial 20pt </a:t>
+            </a:r>
+            <a:r>
+              <a:rPr lang="de-DE" dirty="0" err="1"/>
+              <a:t>bold</a:t>
+            </a:r>
+            <a:endParaRPr lang="de-DE" dirty="0"/>
+          </a:p>
+        </p:txBody>
+      </p:sp>
+      <p:sp>
+        <p:nvSpPr>
+          <p:cNvPr id="3" name="Datumsplatzhalter 2"/>
+          <p:cNvSpPr>
+            <a:spLocks noGrp="1"/>
+          </p:cNvSpPr>
+          <p:nvPr>
+            <p:ph type="dt" sz="half" idx="10"/>
+          </p:nvPr>
+        </p:nvSpPr>
+        <p:spPr/>
+        <p:txBody>
+          <a:bodyPr/>
+          <a:lstStyle/>
+          <a:p>
+            <a:fld id="{0A9BFA6A-9A63-4E2D-92C0-C77BFA750EDB}" type="datetime1">
+              <a:rPr lang="de-DE" noProof="0" smtClean="0"/>
+              <a:t>17.01.2021</a:t>
+            </a:fld>
+            <a:endParaRPr lang="en-US" noProof="0"/>
+          </a:p>
+        </p:txBody>
+      </p:sp>
+      <p:sp>
+        <p:nvSpPr>
+          <p:cNvPr id="4" name="Foliennummernplatzhalter 3"/>
+          <p:cNvSpPr>
+            <a:spLocks noGrp="1"/>
+          </p:cNvSpPr>
+          <p:nvPr>
+            <p:ph type="sldNum" sz="quarter" idx="12"/>
+          </p:nvPr>
+        </p:nvSpPr>
+        <p:spPr/>
+        <p:txBody>
+          <a:bodyPr/>
+          <a:lstStyle/>
+          <a:p>
+            <a:fld id="{61696EC4-B4CF-4701-AD06-A8439D6D8E12}" type="slidenum">
+              <a:rPr lang="en-US" noProof="0" smtClean="0"/>
+              <a:t>5</a:t>
             </a:fld>
             <a:endParaRPr lang="en-US" noProof="0"/>
           </a:p>
@@ -6486,7 +6652,7 @@
 </p:sld>
 </file>
 
-<file path=ppt/slides/slide5.xml><?xml version="1.0" encoding="utf-8"?>
+<file path=ppt/slides/slide6.xml><?xml version="1.0" encoding="utf-8"?>
 <p:sld xmlns:a="http://schemas.openxmlformats.org/drawingml/2006/main" xmlns:r="http://schemas.openxmlformats.org/officeDocument/2006/relationships" xmlns:p="http://schemas.openxmlformats.org/presentationml/2006/main">
   <p:cSld>
     <p:spTree>
@@ -6543,7 +6709,7 @@
           <a:p>
             <a:fld id="{61696EC4-B4CF-4701-AD06-A8439D6D8E12}" type="slidenum">
               <a:rPr lang="en-US" noProof="0" smtClean="0"/>
-              <a:t>5</a:t>
+              <a:t>6</a:t>
             </a:fld>
             <a:endParaRPr lang="en-US" noProof="0"/>
           </a:p>
@@ -6622,7 +6788,7 @@
 </p:sld>
 </file>
 
-<file path=ppt/slides/slide6.xml><?xml version="1.0" encoding="utf-8"?>
+<file path=ppt/slides/slide7.xml><?xml version="1.0" encoding="utf-8"?>
 <p:sld xmlns:a="http://schemas.openxmlformats.org/drawingml/2006/main" xmlns:r="http://schemas.openxmlformats.org/officeDocument/2006/relationships" xmlns:p="http://schemas.openxmlformats.org/presentationml/2006/main">
   <p:cSld>
     <p:spTree>
@@ -6679,7 +6845,7 @@
           <a:p>
             <a:fld id="{61696EC4-B4CF-4701-AD06-A8439D6D8E12}" type="slidenum">
               <a:rPr lang="en-US" noProof="0" smtClean="0"/>
-              <a:t>6</a:t>
+              <a:t>7</a:t>
             </a:fld>
             <a:endParaRPr lang="en-US" noProof="0"/>
           </a:p>
